--- a/程式期末專案-寶可夢.pptx
+++ b/程式期末專案-寶可夢.pptx
@@ -118,6 +118,9 @@
     <p:ext uri="{EFAFB233-063F-42B5-8137-9DF3F51BA10A}">
       <p15:sldGuideLst xmlns:p15="http://schemas.microsoft.com/office/powerpoint/2012/main"/>
     </p:ext>
+    <p:ext uri="{2D200454-40CA-4A62-9FC3-DE9A4176ACB9}">
+      <p15:notesGuideLst xmlns:p15="http://schemas.microsoft.com/office/powerpoint/2012/main"/>
+    </p:ext>
   </p:extLst>
 </p:presentation>
 </file>
@@ -135,7 +138,7 @@
   <pc:docChgLst>
     <pc:chgData name="bavaria hsu" userId="86005638909e2f8b" providerId="LiveId" clId="{E26030AF-168E-4844-ACA6-0C17B5C0ECAD}"/>
     <pc:docChg chg="undo custSel addSld delSld modSld sldOrd modMainMaster">
-      <pc:chgData name="bavaria hsu" userId="86005638909e2f8b" providerId="LiveId" clId="{E26030AF-168E-4844-ACA6-0C17B5C0ECAD}" dt="2024-06-17T03:26:53.869" v="2149" actId="20577"/>
+      <pc:chgData name="bavaria hsu" userId="86005638909e2f8b" providerId="LiveId" clId="{E26030AF-168E-4844-ACA6-0C17B5C0ECAD}" dt="2024-06-18T00:24:58.480" v="2192" actId="20577"/>
       <pc:docMkLst>
         <pc:docMk/>
       </pc:docMkLst>
@@ -242,7 +245,7 @@
         </pc:spChg>
       </pc:sldChg>
       <pc:sldChg chg="modSp add mod ord">
-        <pc:chgData name="bavaria hsu" userId="86005638909e2f8b" providerId="LiveId" clId="{E26030AF-168E-4844-ACA6-0C17B5C0ECAD}" dt="2024-06-17T03:26:53.869" v="2149" actId="20577"/>
+        <pc:chgData name="bavaria hsu" userId="86005638909e2f8b" providerId="LiveId" clId="{E26030AF-168E-4844-ACA6-0C17B5C0ECAD}" dt="2024-06-18T00:23:36.381" v="2156" actId="1076"/>
         <pc:sldMkLst>
           <pc:docMk/>
           <pc:sldMk cId="2631652845" sldId="258"/>
@@ -256,7 +259,7 @@
           </ac:spMkLst>
         </pc:spChg>
         <pc:spChg chg="mod">
-          <ac:chgData name="bavaria hsu" userId="86005638909e2f8b" providerId="LiveId" clId="{E26030AF-168E-4844-ACA6-0C17B5C0ECAD}" dt="2024-06-17T03:26:53.869" v="2149" actId="20577"/>
+          <ac:chgData name="bavaria hsu" userId="86005638909e2f8b" providerId="LiveId" clId="{E26030AF-168E-4844-ACA6-0C17B5C0ECAD}" dt="2024-06-18T00:23:36.381" v="2156" actId="1076"/>
           <ac:spMkLst>
             <pc:docMk/>
             <pc:sldMk cId="2631652845" sldId="258"/>
@@ -334,13 +337,13 @@
         </pc:spChg>
       </pc:sldChg>
       <pc:sldChg chg="modSp add mod ord">
-        <pc:chgData name="bavaria hsu" userId="86005638909e2f8b" providerId="LiveId" clId="{E26030AF-168E-4844-ACA6-0C17B5C0ECAD}" dt="2024-06-15T05:28:20.039" v="632"/>
+        <pc:chgData name="bavaria hsu" userId="86005638909e2f8b" providerId="LiveId" clId="{E26030AF-168E-4844-ACA6-0C17B5C0ECAD}" dt="2024-06-18T00:24:58.480" v="2192" actId="20577"/>
         <pc:sldMkLst>
           <pc:docMk/>
           <pc:sldMk cId="1793282386" sldId="262"/>
         </pc:sldMkLst>
         <pc:spChg chg="mod">
-          <ac:chgData name="bavaria hsu" userId="86005638909e2f8b" providerId="LiveId" clId="{E26030AF-168E-4844-ACA6-0C17B5C0ECAD}" dt="2024-06-15T05:28:02.893" v="630" actId="20577"/>
+          <ac:chgData name="bavaria hsu" userId="86005638909e2f8b" providerId="LiveId" clId="{E26030AF-168E-4844-ACA6-0C17B5C0ECAD}" dt="2024-06-18T00:24:58.480" v="2192" actId="20577"/>
           <ac:spMkLst>
             <pc:docMk/>
             <pc:sldMk cId="1793282386" sldId="262"/>
@@ -349,7 +352,7 @@
         </pc:spChg>
       </pc:sldChg>
       <pc:sldChg chg="addSp modSp add mod ord">
-        <pc:chgData name="bavaria hsu" userId="86005638909e2f8b" providerId="LiveId" clId="{E26030AF-168E-4844-ACA6-0C17B5C0ECAD}" dt="2024-06-17T02:39:59.453" v="1708" actId="1076"/>
+        <pc:chgData name="bavaria hsu" userId="86005638909e2f8b" providerId="LiveId" clId="{E26030AF-168E-4844-ACA6-0C17B5C0ECAD}" dt="2024-06-18T00:23:09.491" v="2154" actId="20577"/>
         <pc:sldMkLst>
           <pc:docMk/>
           <pc:sldMk cId="3993345592" sldId="263"/>
@@ -363,7 +366,7 @@
           </ac:spMkLst>
         </pc:spChg>
         <pc:spChg chg="mod">
-          <ac:chgData name="bavaria hsu" userId="86005638909e2f8b" providerId="LiveId" clId="{E26030AF-168E-4844-ACA6-0C17B5C0ECAD}" dt="2024-06-15T05:32:46.167" v="1144" actId="20577"/>
+          <ac:chgData name="bavaria hsu" userId="86005638909e2f8b" providerId="LiveId" clId="{E26030AF-168E-4844-ACA6-0C17B5C0ECAD}" dt="2024-06-18T00:23:09.491" v="2154" actId="20577"/>
           <ac:spMkLst>
             <pc:docMk/>
             <pc:sldMk cId="3993345592" sldId="263"/>
@@ -386,6 +389,14 @@
             <ac:spMk id="5" creationId="{C448701B-B30A-8FB3-AE8C-9606C383B4EA}"/>
           </ac:spMkLst>
         </pc:spChg>
+        <pc:picChg chg="add mod">
+          <ac:chgData name="bavaria hsu" userId="86005638909e2f8b" providerId="LiveId" clId="{E26030AF-168E-4844-ACA6-0C17B5C0ECAD}" dt="2024-06-18T00:23:05.167" v="2153" actId="1076"/>
+          <ac:picMkLst>
+            <pc:docMk/>
+            <pc:sldMk cId="3993345592" sldId="263"/>
+            <ac:picMk id="7" creationId="{2A932810-B4D0-77B5-A640-C4E4B176D355}"/>
+          </ac:picMkLst>
+        </pc:picChg>
       </pc:sldChg>
       <pc:sldChg chg="modSp add del mod">
         <pc:chgData name="bavaria hsu" userId="86005638909e2f8b" providerId="LiveId" clId="{E26030AF-168E-4844-ACA6-0C17B5C0ECAD}" dt="2024-06-17T03:24:54.707" v="2094" actId="47"/>
@@ -568,7 +579,7 @@
           <a:p>
             <a:fld id="{9D8A4D80-0A7F-42F7-A6AB-C1D06B670A87}" type="datetimeFigureOut">
               <a:rPr lang="zh-TW" altLang="en-US" smtClean="0"/>
-              <a:t>2024/6/17</a:t>
+              <a:t>2024/6/18</a:t>
             </a:fld>
             <a:endParaRPr lang="zh-TW" altLang="en-US"/>
           </a:p>
@@ -810,7 +821,7 @@
           <a:p>
             <a:fld id="{9072C1D8-5700-44C9-977B-3B7BA5138D9A}" type="datetimeFigureOut">
               <a:rPr lang="zh-TW" altLang="en-US" smtClean="0"/>
-              <a:t>2024/6/17</a:t>
+              <a:t>2024/6/18</a:t>
             </a:fld>
             <a:endParaRPr lang="zh-TW" altLang="en-US"/>
           </a:p>
@@ -1124,7 +1135,7 @@
           <a:p>
             <a:fld id="{9072C1D8-5700-44C9-977B-3B7BA5138D9A}" type="datetimeFigureOut">
               <a:rPr lang="zh-TW" altLang="en-US" smtClean="0"/>
-              <a:t>2024/6/17</a:t>
+              <a:t>2024/6/18</a:t>
             </a:fld>
             <a:endParaRPr lang="zh-TW" altLang="en-US"/>
           </a:p>
@@ -1332,7 +1343,7 @@
           <a:p>
             <a:fld id="{9072C1D8-5700-44C9-977B-3B7BA5138D9A}" type="datetimeFigureOut">
               <a:rPr lang="zh-TW" altLang="en-US" smtClean="0"/>
-              <a:t>2024/6/17</a:t>
+              <a:t>2024/6/18</a:t>
             </a:fld>
             <a:endParaRPr lang="zh-TW" altLang="en-US"/>
           </a:p>
@@ -1530,7 +1541,7 @@
           <a:p>
             <a:fld id="{9072C1D8-5700-44C9-977B-3B7BA5138D9A}" type="datetimeFigureOut">
               <a:rPr lang="zh-TW" altLang="en-US" smtClean="0"/>
-              <a:t>2024/6/17</a:t>
+              <a:t>2024/6/18</a:t>
             </a:fld>
             <a:endParaRPr lang="zh-TW" altLang="en-US"/>
           </a:p>
@@ -1921,7 +1932,7 @@
           <a:p>
             <a:fld id="{9072C1D8-5700-44C9-977B-3B7BA5138D9A}" type="datetimeFigureOut">
               <a:rPr lang="zh-TW" altLang="en-US" smtClean="0"/>
-              <a:t>2024/6/17</a:t>
+              <a:t>2024/6/18</a:t>
             </a:fld>
             <a:endParaRPr lang="zh-TW" altLang="en-US"/>
           </a:p>
@@ -2186,7 +2197,7 @@
           <a:p>
             <a:fld id="{9072C1D8-5700-44C9-977B-3B7BA5138D9A}" type="datetimeFigureOut">
               <a:rPr lang="zh-TW" altLang="en-US" smtClean="0"/>
-              <a:t>2024/6/17</a:t>
+              <a:t>2024/6/18</a:t>
             </a:fld>
             <a:endParaRPr lang="zh-TW" altLang="en-US"/>
           </a:p>
@@ -2598,7 +2609,7 @@
           <a:p>
             <a:fld id="{9072C1D8-5700-44C9-977B-3B7BA5138D9A}" type="datetimeFigureOut">
               <a:rPr lang="zh-TW" altLang="en-US" smtClean="0"/>
-              <a:t>2024/6/17</a:t>
+              <a:t>2024/6/18</a:t>
             </a:fld>
             <a:endParaRPr lang="zh-TW" altLang="en-US"/>
           </a:p>
@@ -2739,7 +2750,7 @@
           <a:p>
             <a:fld id="{9072C1D8-5700-44C9-977B-3B7BA5138D9A}" type="datetimeFigureOut">
               <a:rPr lang="zh-TW" altLang="en-US" smtClean="0"/>
-              <a:t>2024/6/17</a:t>
+              <a:t>2024/6/18</a:t>
             </a:fld>
             <a:endParaRPr lang="zh-TW" altLang="en-US"/>
           </a:p>
@@ -2852,7 +2863,7 @@
           <a:p>
             <a:fld id="{9072C1D8-5700-44C9-977B-3B7BA5138D9A}" type="datetimeFigureOut">
               <a:rPr lang="zh-TW" altLang="en-US" smtClean="0"/>
-              <a:t>2024/6/17</a:t>
+              <a:t>2024/6/18</a:t>
             </a:fld>
             <a:endParaRPr lang="zh-TW" altLang="en-US"/>
           </a:p>
@@ -3163,7 +3174,7 @@
           <a:p>
             <a:fld id="{9072C1D8-5700-44C9-977B-3B7BA5138D9A}" type="datetimeFigureOut">
               <a:rPr lang="zh-TW" altLang="en-US" smtClean="0"/>
-              <a:t>2024/6/17</a:t>
+              <a:t>2024/6/18</a:t>
             </a:fld>
             <a:endParaRPr lang="zh-TW" altLang="en-US"/>
           </a:p>
@@ -3451,7 +3462,7 @@
           <a:p>
             <a:fld id="{9072C1D8-5700-44C9-977B-3B7BA5138D9A}" type="datetimeFigureOut">
               <a:rPr lang="zh-TW" altLang="en-US" smtClean="0"/>
-              <a:t>2024/6/17</a:t>
+              <a:t>2024/6/18</a:t>
             </a:fld>
             <a:endParaRPr lang="zh-TW" altLang="en-US"/>
           </a:p>
@@ -3692,7 +3703,7 @@
           <a:p>
             <a:fld id="{9072C1D8-5700-44C9-977B-3B7BA5138D9A}" type="datetimeFigureOut">
               <a:rPr lang="zh-TW" altLang="en-US" smtClean="0"/>
-              <a:t>2024/6/17</a:t>
+              <a:t>2024/6/18</a:t>
             </a:fld>
             <a:endParaRPr lang="zh-TW" altLang="en-US"/>
           </a:p>
@@ -4819,7 +4830,7 @@
           <a:p>
             <a:r>
               <a:rPr lang="zh-TW" altLang="en-US" dirty="0"/>
-              <a:t>決定程式的大方向的走向</a:t>
+              <a:t>決定程式的走向</a:t>
             </a:r>
             <a:endParaRPr lang="en-US" altLang="zh-TW" dirty="0"/>
           </a:p>
@@ -4969,6 +4980,36 @@
           </a:p>
         </p:txBody>
       </p:sp>
+      <p:pic>
+        <p:nvPicPr>
+          <p:cNvPr id="7" name="圖片 6">
+            <a:extLst>
+              <a:ext uri="{FF2B5EF4-FFF2-40B4-BE49-F238E27FC236}">
+                <a16:creationId xmlns:a16="http://schemas.microsoft.com/office/drawing/2014/main" id="{2A932810-B4D0-77B5-A640-C4E4B176D355}"/>
+              </a:ext>
+            </a:extLst>
+          </p:cNvPr>
+          <p:cNvPicPr>
+            <a:picLocks noChangeAspect="1"/>
+          </p:cNvPicPr>
+          <p:nvPr/>
+        </p:nvPicPr>
+        <p:blipFill>
+          <a:blip r:embed="rId2"/>
+          <a:stretch>
+            <a:fillRect/>
+          </a:stretch>
+        </p:blipFill>
+        <p:spPr>
+          <a:xfrm>
+            <a:off x="5357639" y="3642211"/>
+            <a:ext cx="6072361" cy="1605914"/>
+          </a:xfrm>
+          <a:prstGeom prst="rect">
+            <a:avLst/>
+          </a:prstGeom>
+        </p:spPr>
+      </p:pic>
     </p:spTree>
     <p:extLst>
       <p:ext uri="{BB962C8B-B14F-4D97-AF65-F5344CB8AC3E}">
@@ -5103,11 +5144,7 @@
             </a:r>
             <a:r>
               <a:rPr lang="zh-TW" altLang="en-US" dirty="0"/>
-              <a:t> 製作序列</a:t>
-            </a:r>
-            <a:r>
-              <a:rPr lang="zh-TW" altLang="en-US"/>
-              <a:t>化資料程式</a:t>
+              <a:t> 製作序列化資料程式</a:t>
             </a:r>
             <a:endParaRPr lang="en-US" altLang="zh-TW" dirty="0"/>
           </a:p>
@@ -5234,7 +5271,7 @@
           <a:p>
             <a:r>
               <a:rPr lang="en-US" altLang="zh-TW" dirty="0" err="1"/>
-              <a:t>ChoosePokemon</a:t>
+              <a:t>GameOut</a:t>
             </a:r>
             <a:r>
               <a:rPr lang="en-US" altLang="zh-TW" dirty="0"/>
@@ -5242,11 +5279,26 @@
             </a:r>
             <a:r>
               <a:rPr lang="zh-TW" altLang="en-US" dirty="0"/>
+              <a:t> 登出介面</a:t>
+            </a:r>
+            <a:endParaRPr lang="en-US" altLang="zh-TW" dirty="0"/>
+          </a:p>
+          <a:p>
+            <a:r>
+              <a:rPr lang="en-US" altLang="zh-TW" dirty="0" err="1"/>
+              <a:t>ChoosePokemon</a:t>
+            </a:r>
+            <a:r>
+              <a:rPr lang="en-US" altLang="zh-TW" dirty="0"/>
+              <a:t>:</a:t>
+            </a:r>
+            <a:r>
+              <a:rPr lang="zh-TW" altLang="en-US" dirty="0"/>
               <a:t> 雙方玩家選擇</a:t>
             </a:r>
             <a:r>
-              <a:rPr lang="en-US" altLang="zh-TW" dirty="0"/>
-              <a:t>6</a:t>
+              <a:rPr lang="en-US" altLang="zh-TW"/>
+              <a:t>1~6</a:t>
             </a:r>
             <a:r>
               <a:rPr lang="zh-TW" altLang="en-US" dirty="0"/>
